--- a/drawings/system-drawing.pptx
+++ b/drawings/system-drawing.pptx
@@ -6,6 +6,7 @@
   </p:sldMasterIdLst>
   <p:sldIdLst>
     <p:sldId id="256" r:id="rId2"/>
+    <p:sldId id="258" r:id="rId3"/>
   </p:sldIdLst>
   <p:sldSz cx="12192000" cy="6858000"/>
   <p:notesSz cx="6858000" cy="9144000"/>
@@ -106,7 +107,7 @@
   </p:defaultTextStyle>
   <p:extLst>
     <p:ext uri="{EFAFB233-063F-42B5-8137-9DF3F51BA10A}">
-      <p15:sldGuideLst xmlns:p15="http://schemas.microsoft.com/office/powerpoint/2012/main"/>
+      <p15:sldGuideLst xmlns:p15="http://schemas.microsoft.com/office/powerpoint/2012/main" xmlns=""/>
     </p:ext>
   </p:extLst>
 </p:presentation>
@@ -154,10 +155,9 @@
           </a:lstStyle>
           <a:p>
             <a:r>
-              <a:rPr lang="en-US" smtClean="0"/>
+              <a:rPr lang="en-US"/>
               <a:t>Click to edit Master title style</a:t>
             </a:r>
-            <a:endParaRPr lang="en-US"/>
           </a:p>
         </p:txBody>
       </p:sp>
@@ -219,10 +219,9 @@
           </a:lstStyle>
           <a:p>
             <a:r>
-              <a:rPr lang="en-US" smtClean="0"/>
+              <a:rPr lang="en-US"/>
               <a:t>Click to edit Master subtitle style</a:t>
             </a:r>
-            <a:endParaRPr lang="en-US"/>
           </a:p>
         </p:txBody>
       </p:sp>
@@ -243,7 +242,7 @@
           <a:p>
             <a:fld id="{711F500F-A2F2-F14C-8B42-24907D50CADA}" type="datetimeFigureOut">
               <a:rPr lang="en-US" smtClean="0"/>
-              <a:t>12/15/18</a:t>
+              <a:t>12/22/18</a:t>
             </a:fld>
             <a:endParaRPr lang="en-US"/>
           </a:p>
@@ -337,10 +336,9 @@
           <a:lstStyle/>
           <a:p>
             <a:r>
-              <a:rPr lang="en-US" smtClean="0"/>
+              <a:rPr lang="en-US"/>
               <a:t>Click to edit Master title style</a:t>
             </a:r>
-            <a:endParaRPr lang="en-US"/>
           </a:p>
         </p:txBody>
       </p:sp>
@@ -361,38 +359,37 @@
           <a:p>
             <a:pPr lvl="0"/>
             <a:r>
-              <a:rPr lang="en-US" smtClean="0"/>
+              <a:rPr lang="en-US"/>
               <a:t>Click to edit Master text styles</a:t>
             </a:r>
           </a:p>
           <a:p>
             <a:pPr lvl="1"/>
             <a:r>
-              <a:rPr lang="en-US" smtClean="0"/>
+              <a:rPr lang="en-US"/>
               <a:t>Second level</a:t>
             </a:r>
           </a:p>
           <a:p>
             <a:pPr lvl="2"/>
             <a:r>
-              <a:rPr lang="en-US" smtClean="0"/>
+              <a:rPr lang="en-US"/>
               <a:t>Third level</a:t>
             </a:r>
           </a:p>
           <a:p>
             <a:pPr lvl="3"/>
             <a:r>
-              <a:rPr lang="en-US" smtClean="0"/>
+              <a:rPr lang="en-US"/>
               <a:t>Fourth level</a:t>
             </a:r>
           </a:p>
           <a:p>
             <a:pPr lvl="4"/>
             <a:r>
-              <a:rPr lang="en-US" smtClean="0"/>
+              <a:rPr lang="en-US"/>
               <a:t>Fifth level</a:t>
             </a:r>
-            <a:endParaRPr lang="en-US"/>
           </a:p>
         </p:txBody>
       </p:sp>
@@ -413,7 +410,7 @@
           <a:p>
             <a:fld id="{711F500F-A2F2-F14C-8B42-24907D50CADA}" type="datetimeFigureOut">
               <a:rPr lang="en-US" smtClean="0"/>
-              <a:t>12/15/18</a:t>
+              <a:t>12/22/18</a:t>
             </a:fld>
             <a:endParaRPr lang="en-US"/>
           </a:p>
@@ -512,10 +509,9 @@
           <a:lstStyle/>
           <a:p>
             <a:r>
-              <a:rPr lang="en-US" smtClean="0"/>
+              <a:rPr lang="en-US"/>
               <a:t>Click to edit Master title style</a:t>
             </a:r>
-            <a:endParaRPr lang="en-US"/>
           </a:p>
         </p:txBody>
       </p:sp>
@@ -541,38 +537,37 @@
           <a:p>
             <a:pPr lvl="0"/>
             <a:r>
-              <a:rPr lang="en-US" smtClean="0"/>
+              <a:rPr lang="en-US"/>
               <a:t>Click to edit Master text styles</a:t>
             </a:r>
           </a:p>
           <a:p>
             <a:pPr lvl="1"/>
             <a:r>
-              <a:rPr lang="en-US" smtClean="0"/>
+              <a:rPr lang="en-US"/>
               <a:t>Second level</a:t>
             </a:r>
           </a:p>
           <a:p>
             <a:pPr lvl="2"/>
             <a:r>
-              <a:rPr lang="en-US" smtClean="0"/>
+              <a:rPr lang="en-US"/>
               <a:t>Third level</a:t>
             </a:r>
           </a:p>
           <a:p>
             <a:pPr lvl="3"/>
             <a:r>
-              <a:rPr lang="en-US" smtClean="0"/>
+              <a:rPr lang="en-US"/>
               <a:t>Fourth level</a:t>
             </a:r>
           </a:p>
           <a:p>
             <a:pPr lvl="4"/>
             <a:r>
-              <a:rPr lang="en-US" smtClean="0"/>
+              <a:rPr lang="en-US"/>
               <a:t>Fifth level</a:t>
             </a:r>
-            <a:endParaRPr lang="en-US"/>
           </a:p>
         </p:txBody>
       </p:sp>
@@ -593,7 +588,7 @@
           <a:p>
             <a:fld id="{711F500F-A2F2-F14C-8B42-24907D50CADA}" type="datetimeFigureOut">
               <a:rPr lang="en-US" smtClean="0"/>
-              <a:t>12/15/18</a:t>
+              <a:t>12/22/18</a:t>
             </a:fld>
             <a:endParaRPr lang="en-US"/>
           </a:p>
@@ -687,10 +682,9 @@
           <a:lstStyle/>
           <a:p>
             <a:r>
-              <a:rPr lang="en-US" smtClean="0"/>
+              <a:rPr lang="en-US"/>
               <a:t>Click to edit Master title style</a:t>
             </a:r>
-            <a:endParaRPr lang="en-US"/>
           </a:p>
         </p:txBody>
       </p:sp>
@@ -711,38 +705,37 @@
           <a:p>
             <a:pPr lvl="0"/>
             <a:r>
-              <a:rPr lang="en-US" smtClean="0"/>
+              <a:rPr lang="en-US"/>
               <a:t>Click to edit Master text styles</a:t>
             </a:r>
           </a:p>
           <a:p>
             <a:pPr lvl="1"/>
             <a:r>
-              <a:rPr lang="en-US" smtClean="0"/>
+              <a:rPr lang="en-US"/>
               <a:t>Second level</a:t>
             </a:r>
           </a:p>
           <a:p>
             <a:pPr lvl="2"/>
             <a:r>
-              <a:rPr lang="en-US" smtClean="0"/>
+              <a:rPr lang="en-US"/>
               <a:t>Third level</a:t>
             </a:r>
           </a:p>
           <a:p>
             <a:pPr lvl="3"/>
             <a:r>
-              <a:rPr lang="en-US" smtClean="0"/>
+              <a:rPr lang="en-US"/>
               <a:t>Fourth level</a:t>
             </a:r>
           </a:p>
           <a:p>
             <a:pPr lvl="4"/>
             <a:r>
-              <a:rPr lang="en-US" smtClean="0"/>
+              <a:rPr lang="en-US"/>
               <a:t>Fifth level</a:t>
             </a:r>
-            <a:endParaRPr lang="en-US"/>
           </a:p>
         </p:txBody>
       </p:sp>
@@ -763,7 +756,7 @@
           <a:p>
             <a:fld id="{711F500F-A2F2-F14C-8B42-24907D50CADA}" type="datetimeFigureOut">
               <a:rPr lang="en-US" smtClean="0"/>
-              <a:t>12/15/18</a:t>
+              <a:t>12/22/18</a:t>
             </a:fld>
             <a:endParaRPr lang="en-US"/>
           </a:p>
@@ -866,10 +859,9 @@
           </a:lstStyle>
           <a:p>
             <a:r>
-              <a:rPr lang="en-US" smtClean="0"/>
+              <a:rPr lang="en-US"/>
               <a:t>Click to edit Master title style</a:t>
             </a:r>
-            <a:endParaRPr lang="en-US"/>
           </a:p>
         </p:txBody>
       </p:sp>
@@ -986,7 +978,7 @@
           <a:p>
             <a:pPr lvl="0"/>
             <a:r>
-              <a:rPr lang="en-US" smtClean="0"/>
+              <a:rPr lang="en-US"/>
               <a:t>Click to edit Master text styles</a:t>
             </a:r>
           </a:p>
@@ -1009,7 +1001,7 @@
           <a:p>
             <a:fld id="{711F500F-A2F2-F14C-8B42-24907D50CADA}" type="datetimeFigureOut">
               <a:rPr lang="en-US" smtClean="0"/>
-              <a:t>12/15/18</a:t>
+              <a:t>12/22/18</a:t>
             </a:fld>
             <a:endParaRPr lang="en-US"/>
           </a:p>
@@ -1103,10 +1095,9 @@
           <a:lstStyle/>
           <a:p>
             <a:r>
-              <a:rPr lang="en-US" smtClean="0"/>
+              <a:rPr lang="en-US"/>
               <a:t>Click to edit Master title style</a:t>
             </a:r>
-            <a:endParaRPr lang="en-US"/>
           </a:p>
         </p:txBody>
       </p:sp>
@@ -1132,38 +1123,37 @@
           <a:p>
             <a:pPr lvl="0"/>
             <a:r>
-              <a:rPr lang="en-US" smtClean="0"/>
+              <a:rPr lang="en-US"/>
               <a:t>Click to edit Master text styles</a:t>
             </a:r>
           </a:p>
           <a:p>
             <a:pPr lvl="1"/>
             <a:r>
-              <a:rPr lang="en-US" smtClean="0"/>
+              <a:rPr lang="en-US"/>
               <a:t>Second level</a:t>
             </a:r>
           </a:p>
           <a:p>
             <a:pPr lvl="2"/>
             <a:r>
-              <a:rPr lang="en-US" smtClean="0"/>
+              <a:rPr lang="en-US"/>
               <a:t>Third level</a:t>
             </a:r>
           </a:p>
           <a:p>
             <a:pPr lvl="3"/>
             <a:r>
-              <a:rPr lang="en-US" smtClean="0"/>
+              <a:rPr lang="en-US"/>
               <a:t>Fourth level</a:t>
             </a:r>
           </a:p>
           <a:p>
             <a:pPr lvl="4"/>
             <a:r>
-              <a:rPr lang="en-US" smtClean="0"/>
+              <a:rPr lang="en-US"/>
               <a:t>Fifth level</a:t>
             </a:r>
-            <a:endParaRPr lang="en-US"/>
           </a:p>
         </p:txBody>
       </p:sp>
@@ -1189,38 +1179,37 @@
           <a:p>
             <a:pPr lvl="0"/>
             <a:r>
-              <a:rPr lang="en-US" smtClean="0"/>
+              <a:rPr lang="en-US"/>
               <a:t>Click to edit Master text styles</a:t>
             </a:r>
           </a:p>
           <a:p>
             <a:pPr lvl="1"/>
             <a:r>
-              <a:rPr lang="en-US" smtClean="0"/>
+              <a:rPr lang="en-US"/>
               <a:t>Second level</a:t>
             </a:r>
           </a:p>
           <a:p>
             <a:pPr lvl="2"/>
             <a:r>
-              <a:rPr lang="en-US" smtClean="0"/>
+              <a:rPr lang="en-US"/>
               <a:t>Third level</a:t>
             </a:r>
           </a:p>
           <a:p>
             <a:pPr lvl="3"/>
             <a:r>
-              <a:rPr lang="en-US" smtClean="0"/>
+              <a:rPr lang="en-US"/>
               <a:t>Fourth level</a:t>
             </a:r>
           </a:p>
           <a:p>
             <a:pPr lvl="4"/>
             <a:r>
-              <a:rPr lang="en-US" smtClean="0"/>
+              <a:rPr lang="en-US"/>
               <a:t>Fifth level</a:t>
             </a:r>
-            <a:endParaRPr lang="en-US"/>
           </a:p>
         </p:txBody>
       </p:sp>
@@ -1241,7 +1230,7 @@
           <a:p>
             <a:fld id="{711F500F-A2F2-F14C-8B42-24907D50CADA}" type="datetimeFigureOut">
               <a:rPr lang="en-US" smtClean="0"/>
-              <a:t>12/15/18</a:t>
+              <a:t>12/22/18</a:t>
             </a:fld>
             <a:endParaRPr lang="en-US"/>
           </a:p>
@@ -1340,10 +1329,9 @@
           <a:lstStyle/>
           <a:p>
             <a:r>
-              <a:rPr lang="en-US" smtClean="0"/>
+              <a:rPr lang="en-US"/>
               <a:t>Click to edit Master title style</a:t>
             </a:r>
-            <a:endParaRPr lang="en-US"/>
           </a:p>
         </p:txBody>
       </p:sp>
@@ -1406,7 +1394,7 @@
           <a:p>
             <a:pPr lvl="0"/>
             <a:r>
-              <a:rPr lang="en-US" smtClean="0"/>
+              <a:rPr lang="en-US"/>
               <a:t>Click to edit Master text styles</a:t>
             </a:r>
           </a:p>
@@ -1434,38 +1422,37 @@
           <a:p>
             <a:pPr lvl="0"/>
             <a:r>
-              <a:rPr lang="en-US" smtClean="0"/>
+              <a:rPr lang="en-US"/>
               <a:t>Click to edit Master text styles</a:t>
             </a:r>
           </a:p>
           <a:p>
             <a:pPr lvl="1"/>
             <a:r>
-              <a:rPr lang="en-US" smtClean="0"/>
+              <a:rPr lang="en-US"/>
               <a:t>Second level</a:t>
             </a:r>
           </a:p>
           <a:p>
             <a:pPr lvl="2"/>
             <a:r>
-              <a:rPr lang="en-US" smtClean="0"/>
+              <a:rPr lang="en-US"/>
               <a:t>Third level</a:t>
             </a:r>
           </a:p>
           <a:p>
             <a:pPr lvl="3"/>
             <a:r>
-              <a:rPr lang="en-US" smtClean="0"/>
+              <a:rPr lang="en-US"/>
               <a:t>Fourth level</a:t>
             </a:r>
           </a:p>
           <a:p>
             <a:pPr lvl="4"/>
             <a:r>
-              <a:rPr lang="en-US" smtClean="0"/>
+              <a:rPr lang="en-US"/>
               <a:t>Fifth level</a:t>
             </a:r>
-            <a:endParaRPr lang="en-US"/>
           </a:p>
         </p:txBody>
       </p:sp>
@@ -1528,7 +1515,7 @@
           <a:p>
             <a:pPr lvl="0"/>
             <a:r>
-              <a:rPr lang="en-US" smtClean="0"/>
+              <a:rPr lang="en-US"/>
               <a:t>Click to edit Master text styles</a:t>
             </a:r>
           </a:p>
@@ -1556,38 +1543,37 @@
           <a:p>
             <a:pPr lvl="0"/>
             <a:r>
-              <a:rPr lang="en-US" smtClean="0"/>
+              <a:rPr lang="en-US"/>
               <a:t>Click to edit Master text styles</a:t>
             </a:r>
           </a:p>
           <a:p>
             <a:pPr lvl="1"/>
             <a:r>
-              <a:rPr lang="en-US" smtClean="0"/>
+              <a:rPr lang="en-US"/>
               <a:t>Second level</a:t>
             </a:r>
           </a:p>
           <a:p>
             <a:pPr lvl="2"/>
             <a:r>
-              <a:rPr lang="en-US" smtClean="0"/>
+              <a:rPr lang="en-US"/>
               <a:t>Third level</a:t>
             </a:r>
           </a:p>
           <a:p>
             <a:pPr lvl="3"/>
             <a:r>
-              <a:rPr lang="en-US" smtClean="0"/>
+              <a:rPr lang="en-US"/>
               <a:t>Fourth level</a:t>
             </a:r>
           </a:p>
           <a:p>
             <a:pPr lvl="4"/>
             <a:r>
-              <a:rPr lang="en-US" smtClean="0"/>
+              <a:rPr lang="en-US"/>
               <a:t>Fifth level</a:t>
             </a:r>
-            <a:endParaRPr lang="en-US"/>
           </a:p>
         </p:txBody>
       </p:sp>
@@ -1608,7 +1594,7 @@
           <a:p>
             <a:fld id="{711F500F-A2F2-F14C-8B42-24907D50CADA}" type="datetimeFigureOut">
               <a:rPr lang="en-US" smtClean="0"/>
-              <a:t>12/15/18</a:t>
+              <a:t>12/22/18</a:t>
             </a:fld>
             <a:endParaRPr lang="en-US"/>
           </a:p>
@@ -1702,10 +1688,9 @@
           <a:lstStyle/>
           <a:p>
             <a:r>
-              <a:rPr lang="en-US" smtClean="0"/>
+              <a:rPr lang="en-US"/>
               <a:t>Click to edit Master title style</a:t>
             </a:r>
-            <a:endParaRPr lang="en-US"/>
           </a:p>
         </p:txBody>
       </p:sp>
@@ -1726,7 +1711,7 @@
           <a:p>
             <a:fld id="{711F500F-A2F2-F14C-8B42-24907D50CADA}" type="datetimeFigureOut">
               <a:rPr lang="en-US" smtClean="0"/>
-              <a:t>12/15/18</a:t>
+              <a:t>12/22/18</a:t>
             </a:fld>
             <a:endParaRPr lang="en-US"/>
           </a:p>
@@ -1821,7 +1806,7 @@
           <a:p>
             <a:fld id="{711F500F-A2F2-F14C-8B42-24907D50CADA}" type="datetimeFigureOut">
               <a:rPr lang="en-US" smtClean="0"/>
-              <a:t>12/15/18</a:t>
+              <a:t>12/22/18</a:t>
             </a:fld>
             <a:endParaRPr lang="en-US"/>
           </a:p>
@@ -1924,10 +1909,9 @@
           </a:lstStyle>
           <a:p>
             <a:r>
-              <a:rPr lang="en-US" smtClean="0"/>
+              <a:rPr lang="en-US"/>
               <a:t>Click to edit Master title style</a:t>
             </a:r>
-            <a:endParaRPr lang="en-US"/>
           </a:p>
         </p:txBody>
       </p:sp>
@@ -1981,38 +1965,37 @@
           <a:p>
             <a:pPr lvl="0"/>
             <a:r>
-              <a:rPr lang="en-US" smtClean="0"/>
+              <a:rPr lang="en-US"/>
               <a:t>Click to edit Master text styles</a:t>
             </a:r>
           </a:p>
           <a:p>
             <a:pPr lvl="1"/>
             <a:r>
-              <a:rPr lang="en-US" smtClean="0"/>
+              <a:rPr lang="en-US"/>
               <a:t>Second level</a:t>
             </a:r>
           </a:p>
           <a:p>
             <a:pPr lvl="2"/>
             <a:r>
-              <a:rPr lang="en-US" smtClean="0"/>
+              <a:rPr lang="en-US"/>
               <a:t>Third level</a:t>
             </a:r>
           </a:p>
           <a:p>
             <a:pPr lvl="3"/>
             <a:r>
-              <a:rPr lang="en-US" smtClean="0"/>
+              <a:rPr lang="en-US"/>
               <a:t>Fourth level</a:t>
             </a:r>
           </a:p>
           <a:p>
             <a:pPr lvl="4"/>
             <a:r>
-              <a:rPr lang="en-US" smtClean="0"/>
+              <a:rPr lang="en-US"/>
               <a:t>Fifth level</a:t>
             </a:r>
-            <a:endParaRPr lang="en-US"/>
           </a:p>
         </p:txBody>
       </p:sp>
@@ -2075,7 +2058,7 @@
           <a:p>
             <a:pPr lvl="0"/>
             <a:r>
-              <a:rPr lang="en-US" smtClean="0"/>
+              <a:rPr lang="en-US"/>
               <a:t>Click to edit Master text styles</a:t>
             </a:r>
           </a:p>
@@ -2098,7 +2081,7 @@
           <a:p>
             <a:fld id="{711F500F-A2F2-F14C-8B42-24907D50CADA}" type="datetimeFigureOut">
               <a:rPr lang="en-US" smtClean="0"/>
-              <a:t>12/15/18</a:t>
+              <a:t>12/22/18</a:t>
             </a:fld>
             <a:endParaRPr lang="en-US"/>
           </a:p>
@@ -2201,10 +2184,9 @@
           </a:lstStyle>
           <a:p>
             <a:r>
-              <a:rPr lang="en-US" smtClean="0"/>
+              <a:rPr lang="en-US"/>
               <a:t>Click to edit Master title style</a:t>
             </a:r>
-            <a:endParaRPr lang="en-US"/>
           </a:p>
         </p:txBody>
       </p:sp>
@@ -2328,7 +2310,7 @@
           <a:p>
             <a:pPr lvl="0"/>
             <a:r>
-              <a:rPr lang="en-US" smtClean="0"/>
+              <a:rPr lang="en-US"/>
               <a:t>Click to edit Master text styles</a:t>
             </a:r>
           </a:p>
@@ -2351,7 +2333,7 @@
           <a:p>
             <a:fld id="{711F500F-A2F2-F14C-8B42-24907D50CADA}" type="datetimeFigureOut">
               <a:rPr lang="en-US" smtClean="0"/>
-              <a:t>12/15/18</a:t>
+              <a:t>12/22/18</a:t>
             </a:fld>
             <a:endParaRPr lang="en-US"/>
           </a:p>
@@ -2460,10 +2442,9 @@
           <a:lstStyle/>
           <a:p>
             <a:r>
-              <a:rPr lang="en-US" smtClean="0"/>
+              <a:rPr lang="en-US"/>
               <a:t>Click to edit Master title style</a:t>
             </a:r>
-            <a:endParaRPr lang="en-US"/>
           </a:p>
         </p:txBody>
       </p:sp>
@@ -2494,38 +2475,37 @@
           <a:p>
             <a:pPr lvl="0"/>
             <a:r>
-              <a:rPr lang="en-US" smtClean="0"/>
+              <a:rPr lang="en-US"/>
               <a:t>Click to edit Master text styles</a:t>
             </a:r>
           </a:p>
           <a:p>
             <a:pPr lvl="1"/>
             <a:r>
-              <a:rPr lang="en-US" smtClean="0"/>
+              <a:rPr lang="en-US"/>
               <a:t>Second level</a:t>
             </a:r>
           </a:p>
           <a:p>
             <a:pPr lvl="2"/>
             <a:r>
-              <a:rPr lang="en-US" smtClean="0"/>
+              <a:rPr lang="en-US"/>
               <a:t>Third level</a:t>
             </a:r>
           </a:p>
           <a:p>
             <a:pPr lvl="3"/>
             <a:r>
-              <a:rPr lang="en-US" smtClean="0"/>
+              <a:rPr lang="en-US"/>
               <a:t>Fourth level</a:t>
             </a:r>
           </a:p>
           <a:p>
             <a:pPr lvl="4"/>
             <a:r>
-              <a:rPr lang="en-US" smtClean="0"/>
+              <a:rPr lang="en-US"/>
               <a:t>Fifth level</a:t>
             </a:r>
-            <a:endParaRPr lang="en-US"/>
           </a:p>
         </p:txBody>
       </p:sp>
@@ -2564,7 +2544,7 @@
           <a:p>
             <a:fld id="{711F500F-A2F2-F14C-8B42-24907D50CADA}" type="datetimeFigureOut">
               <a:rPr lang="en-US" smtClean="0"/>
-              <a:t>12/15/18</a:t>
+              <a:t>12/22/18</a:t>
             </a:fld>
             <a:endParaRPr lang="en-US"/>
           </a:p>
@@ -2971,7 +2951,7 @@
       </p:grpSpPr>
       <p:grpSp>
         <p:nvGrpSpPr>
-          <p:cNvPr id="171" name="Group 170"/>
+          <p:cNvPr id="135" name="Group 134"/>
           <p:cNvGrpSpPr/>
           <p:nvPr/>
         </p:nvGrpSpPr>
@@ -2986,21 +2966,17 @@
         <p:cxnSp>
           <p:nvCxnSpPr>
             <p:cNvPr id="11" name="Elbow Connector 10"/>
-            <p:cNvCxnSpPr>
-              <a:stCxn id="160" idx="2"/>
-              <a:endCxn id="159" idx="1"/>
-            </p:cNvCxnSpPr>
+            <p:cNvCxnSpPr/>
             <p:nvPr/>
           </p:nvCxnSpPr>
           <p:spPr>
-            <a:xfrm rot="5400000" flipH="1" flipV="1">
-              <a:off x="5261988" y="1865264"/>
-              <a:ext cx="3575313" cy="3332496"/>
+            <a:xfrm flipV="1">
+              <a:off x="4490014" y="1756367"/>
+              <a:ext cx="4308330" cy="3118113"/>
             </a:xfrm>
-            <a:prstGeom prst="bentConnector4">
+            <a:prstGeom prst="bentConnector3">
               <a:avLst>
-                <a:gd name="adj1" fmla="val 99561"/>
-                <a:gd name="adj2" fmla="val 60290"/>
+                <a:gd name="adj1" fmla="val -68"/>
               </a:avLst>
             </a:prstGeom>
           </p:spPr>
@@ -3050,17 +3026,16 @@
             <a:p>
               <a:pPr algn="ctr"/>
               <a:r>
-                <a:rPr lang="en-US" dirty="0" smtClean="0"/>
+                <a:rPr lang="en-US" dirty="0"/>
                 <a:t>TFT</a:t>
               </a:r>
             </a:p>
             <a:p>
               <a:pPr algn="ctr"/>
               <a:r>
-                <a:rPr lang="en-US" dirty="0" smtClean="0"/>
+                <a:rPr lang="en-US" dirty="0"/>
                 <a:t>Controller</a:t>
               </a:r>
-              <a:endParaRPr lang="en-US" dirty="0"/>
             </a:p>
           </p:txBody>
         </p:sp>
@@ -3095,24 +3070,23 @@
             <a:p>
               <a:pPr algn="ctr"/>
               <a:r>
-                <a:rPr lang="en-US" dirty="0" smtClean="0"/>
+                <a:rPr lang="en-US" dirty="0"/>
                 <a:t>TFT</a:t>
               </a:r>
             </a:p>
             <a:p>
               <a:pPr algn="ctr"/>
               <a:r>
-                <a:rPr lang="en-US" dirty="0" smtClean="0"/>
+                <a:rPr lang="en-US" dirty="0"/>
                 <a:t>Gate</a:t>
               </a:r>
             </a:p>
             <a:p>
               <a:pPr algn="ctr"/>
               <a:r>
-                <a:rPr lang="en-US" dirty="0" smtClean="0"/>
+                <a:rPr lang="en-US" dirty="0"/>
                 <a:t>Driver</a:t>
               </a:r>
-              <a:endParaRPr lang="en-US" dirty="0"/>
             </a:p>
           </p:txBody>
         </p:sp>
@@ -8721,24 +8695,23 @@
             <a:p>
               <a:pPr algn="ctr"/>
               <a:r>
-                <a:rPr lang="en-US" dirty="0" smtClean="0"/>
+                <a:rPr lang="en-US" dirty="0"/>
                 <a:t>TFT</a:t>
               </a:r>
             </a:p>
             <a:p>
               <a:pPr algn="ctr"/>
               <a:r>
-                <a:rPr lang="en-US" dirty="0" smtClean="0"/>
+                <a:rPr lang="en-US" dirty="0"/>
                 <a:t>Source</a:t>
               </a:r>
             </a:p>
             <a:p>
               <a:pPr algn="ctr"/>
               <a:r>
-                <a:rPr lang="en-US" dirty="0" smtClean="0"/>
+                <a:rPr lang="en-US" dirty="0"/>
                 <a:t>Driver</a:t>
               </a:r>
-              <a:endParaRPr lang="en-US" dirty="0"/>
             </a:p>
           </p:txBody>
         </p:sp>
@@ -8773,24 +8746,23 @@
             <a:p>
               <a:pPr algn="ctr"/>
               <a:r>
-                <a:rPr lang="en-US" dirty="0" smtClean="0"/>
+                <a:rPr lang="en-US" dirty="0"/>
                 <a:t>TFT</a:t>
               </a:r>
             </a:p>
             <a:p>
               <a:pPr algn="ctr"/>
               <a:r>
-                <a:rPr lang="en-US" dirty="0" smtClean="0"/>
+                <a:rPr lang="en-US" dirty="0"/>
                 <a:t>Source</a:t>
               </a:r>
             </a:p>
             <a:p>
               <a:pPr algn="ctr"/>
               <a:r>
-                <a:rPr lang="en-US" dirty="0" smtClean="0"/>
+                <a:rPr lang="en-US" dirty="0"/>
                 <a:t>Driver</a:t>
               </a:r>
-              <a:endParaRPr lang="en-US" dirty="0"/>
             </a:p>
           </p:txBody>
         </p:sp>
@@ -8825,24 +8797,23 @@
             <a:p>
               <a:pPr algn="ctr"/>
               <a:r>
-                <a:rPr lang="en-US" dirty="0" smtClean="0"/>
+                <a:rPr lang="en-US" dirty="0"/>
                 <a:t>TFT</a:t>
               </a:r>
             </a:p>
             <a:p>
               <a:pPr algn="ctr"/>
               <a:r>
-                <a:rPr lang="en-US" dirty="0" smtClean="0"/>
+                <a:rPr lang="en-US" dirty="0"/>
                 <a:t>Gate</a:t>
               </a:r>
             </a:p>
             <a:p>
               <a:pPr algn="ctr"/>
               <a:r>
-                <a:rPr lang="en-US" dirty="0" smtClean="0"/>
+                <a:rPr lang="en-US" dirty="0"/>
                 <a:t>Driver</a:t>
               </a:r>
-              <a:endParaRPr lang="en-US" dirty="0"/>
             </a:p>
           </p:txBody>
         </p:sp>
@@ -8877,10 +8848,10 @@
             <a:p>
               <a:pPr algn="ctr"/>
               <a:r>
-                <a:rPr lang="en-US" smtClean="0"/>
+                <a:rPr lang="en-US"/>
                 <a:t>MCU</a:t>
               </a:r>
-              <a:endParaRPr lang="en-US" dirty="0" smtClean="0"/>
+              <a:endParaRPr lang="en-US" dirty="0"/>
             </a:p>
           </p:txBody>
         </p:sp>
@@ -9238,6 +9209,135 @@
             </p:txBody>
           </p:sp>
         </p:grpSp>
+        <p:sp>
+          <p:nvSpPr>
+            <p:cNvPr id="3" name="Left Brace 2">
+              <a:extLst>
+                <a:ext uri="{FF2B5EF4-FFF2-40B4-BE49-F238E27FC236}">
+                  <a16:creationId xmlns:a16="http://schemas.microsoft.com/office/drawing/2014/main" xmlns="" id="{D10FB71F-B38F-E148-82D1-A0E3207A76AD}"/>
+                </a:ext>
+              </a:extLst>
+            </p:cNvPr>
+            <p:cNvSpPr/>
+            <p:nvPr/>
+          </p:nvSpPr>
+          <p:spPr>
+            <a:xfrm rot="5400000" flipV="1">
+              <a:off x="8489204" y="568674"/>
+              <a:ext cx="300953" cy="3490681"/>
+            </a:xfrm>
+            <a:prstGeom prst="leftBrace">
+              <a:avLst>
+                <a:gd name="adj1" fmla="val 8333"/>
+                <a:gd name="adj2" fmla="val 43426"/>
+              </a:avLst>
+            </a:prstGeom>
+            <a:ln w="25400"/>
+          </p:spPr>
+          <p:style>
+            <a:lnRef idx="1">
+              <a:schemeClr val="accent1"/>
+            </a:lnRef>
+            <a:fillRef idx="0">
+              <a:schemeClr val="accent1"/>
+            </a:fillRef>
+            <a:effectRef idx="0">
+              <a:schemeClr val="accent1"/>
+            </a:effectRef>
+            <a:fontRef idx="minor">
+              <a:schemeClr val="tx1"/>
+            </a:fontRef>
+          </p:style>
+          <p:txBody>
+            <a:bodyPr rtlCol="0" anchor="ctr"/>
+            <a:lstStyle/>
+            <a:p>
+              <a:pPr algn="ctr"/>
+              <a:endParaRPr lang="en-US" dirty="0"/>
+            </a:p>
+          </p:txBody>
+        </p:sp>
+        <p:sp>
+          <p:nvSpPr>
+            <p:cNvPr id="165" name="Left Brace 164">
+              <a:extLst>
+                <a:ext uri="{FF2B5EF4-FFF2-40B4-BE49-F238E27FC236}">
+                  <a16:creationId xmlns:a16="http://schemas.microsoft.com/office/drawing/2014/main" xmlns="" id="{7646E010-F785-A24F-BA73-DC7D6F4C20AC}"/>
+                </a:ext>
+              </a:extLst>
+            </p:cNvPr>
+            <p:cNvSpPr/>
+            <p:nvPr/>
+          </p:nvSpPr>
+          <p:spPr>
+            <a:xfrm flipV="1">
+              <a:off x="6151649" y="2865119"/>
+              <a:ext cx="234881" cy="2600871"/>
+            </a:xfrm>
+            <a:prstGeom prst="leftBrace">
+              <a:avLst>
+                <a:gd name="adj1" fmla="val 8333"/>
+                <a:gd name="adj2" fmla="val 43426"/>
+              </a:avLst>
+            </a:prstGeom>
+            <a:ln w="25400"/>
+          </p:spPr>
+          <p:style>
+            <a:lnRef idx="1">
+              <a:schemeClr val="accent1"/>
+            </a:lnRef>
+            <a:fillRef idx="0">
+              <a:schemeClr val="accent1"/>
+            </a:fillRef>
+            <a:effectRef idx="0">
+              <a:schemeClr val="accent1"/>
+            </a:effectRef>
+            <a:fontRef idx="minor">
+              <a:schemeClr val="tx1"/>
+            </a:fontRef>
+          </p:style>
+          <p:txBody>
+            <a:bodyPr rtlCol="0" anchor="ctr"/>
+            <a:lstStyle/>
+            <a:p>
+              <a:pPr algn="ctr"/>
+              <a:endParaRPr lang="en-US" dirty="0"/>
+            </a:p>
+          </p:txBody>
+        </p:sp>
+        <p:cxnSp>
+          <p:nvCxnSpPr>
+            <p:cNvPr id="133" name="Straight Connector 132"/>
+            <p:cNvCxnSpPr>
+              <a:stCxn id="6" idx="2"/>
+              <a:endCxn id="160" idx="0"/>
+            </p:cNvCxnSpPr>
+            <p:nvPr/>
+          </p:nvCxnSpPr>
+          <p:spPr>
+            <a:xfrm>
+              <a:off x="5383397" y="3924943"/>
+              <a:ext cx="0" cy="479825"/>
+            </a:xfrm>
+            <a:prstGeom prst="line">
+              <a:avLst/>
+            </a:prstGeom>
+          </p:spPr>
+          <p:style>
+            <a:lnRef idx="2">
+              <a:schemeClr val="accent1"/>
+            </a:lnRef>
+            <a:fillRef idx="0">
+              <a:schemeClr val="accent1"/>
+            </a:fillRef>
+            <a:effectRef idx="1">
+              <a:schemeClr val="accent1"/>
+            </a:effectRef>
+            <a:fontRef idx="minor">
+              <a:schemeClr val="tx1"/>
+            </a:fontRef>
+          </p:style>
+        </p:cxnSp>
       </p:grpSp>
     </p:spTree>
     <p:extLst>
@@ -9249,13 +9349,920 @@
   <p:clrMapOvr>
     <a:masterClrMapping/>
   </p:clrMapOvr>
-  <p:timing>
-    <p:tnLst>
-      <p:par>
-        <p:cTn id="1" dur="indefinite" restart="never" nodeType="tmRoot"/>
-      </p:par>
-    </p:tnLst>
-  </p:timing>
+</p:sld>
+</file>
+
+<file path=ppt/slides/slide2.xml><?xml version="1.0" encoding="utf-8"?>
+<p:sld xmlns:a="http://schemas.openxmlformats.org/drawingml/2006/main" xmlns:r="http://schemas.openxmlformats.org/officeDocument/2006/relationships" xmlns:p="http://schemas.openxmlformats.org/presentationml/2006/main">
+  <p:cSld>
+    <p:spTree>
+      <p:nvGrpSpPr>
+        <p:cNvPr id="1" name=""/>
+        <p:cNvGrpSpPr/>
+        <p:nvPr/>
+      </p:nvGrpSpPr>
+      <p:grpSpPr>
+        <a:xfrm>
+          <a:off x="0" y="0"/>
+          <a:ext cx="0" cy="0"/>
+          <a:chOff x="0" y="0"/>
+          <a:chExt cx="0" cy="0"/>
+        </a:xfrm>
+      </p:grpSpPr>
+      <p:grpSp>
+        <p:nvGrpSpPr>
+          <p:cNvPr id="13" name="Group 12"/>
+          <p:cNvGrpSpPr/>
+          <p:nvPr/>
+        </p:nvGrpSpPr>
+        <p:grpSpPr>
+          <a:xfrm>
+            <a:off x="1166143" y="910589"/>
+            <a:ext cx="2120523" cy="4116159"/>
+            <a:chOff x="1166143" y="910589"/>
+            <a:chExt cx="2120523" cy="4116159"/>
+          </a:xfrm>
+        </p:grpSpPr>
+        <p:sp>
+          <p:nvSpPr>
+            <p:cNvPr id="10" name="Rectangle 9"/>
+            <p:cNvSpPr/>
+            <p:nvPr/>
+          </p:nvSpPr>
+          <p:spPr>
+            <a:xfrm>
+              <a:off x="2451371" y="2202721"/>
+              <a:ext cx="228600" cy="228600"/>
+            </a:xfrm>
+            <a:prstGeom prst="rect">
+              <a:avLst/>
+            </a:prstGeom>
+            <a:solidFill>
+              <a:srgbClr val="FF0000"/>
+            </a:solidFill>
+          </p:spPr>
+          <p:style>
+            <a:lnRef idx="2">
+              <a:schemeClr val="accent1">
+                <a:shade val="50000"/>
+              </a:schemeClr>
+            </a:lnRef>
+            <a:fillRef idx="1">
+              <a:schemeClr val="accent1"/>
+            </a:fillRef>
+            <a:effectRef idx="0">
+              <a:schemeClr val="accent1"/>
+            </a:effectRef>
+            <a:fontRef idx="minor">
+              <a:schemeClr val="lt1"/>
+            </a:fontRef>
+          </p:style>
+          <p:txBody>
+            <a:bodyPr rtlCol="0" anchor="ctr"/>
+            <a:lstStyle/>
+            <a:p>
+              <a:pPr algn="ctr"/>
+              <a:endParaRPr lang="en-US"/>
+            </a:p>
+          </p:txBody>
+        </p:sp>
+        <p:sp>
+          <p:nvSpPr>
+            <p:cNvPr id="31" name="Rectangle 30"/>
+            <p:cNvSpPr/>
+            <p:nvPr/>
+          </p:nvSpPr>
+          <p:spPr>
+            <a:xfrm>
+              <a:off x="2451371" y="2504426"/>
+              <a:ext cx="228600" cy="228600"/>
+            </a:xfrm>
+            <a:prstGeom prst="rect">
+              <a:avLst/>
+            </a:prstGeom>
+            <a:solidFill>
+              <a:srgbClr val="FF0000"/>
+            </a:solidFill>
+          </p:spPr>
+          <p:style>
+            <a:lnRef idx="2">
+              <a:schemeClr val="accent1">
+                <a:shade val="50000"/>
+              </a:schemeClr>
+            </a:lnRef>
+            <a:fillRef idx="1">
+              <a:schemeClr val="accent1"/>
+            </a:fillRef>
+            <a:effectRef idx="0">
+              <a:schemeClr val="accent1"/>
+            </a:effectRef>
+            <a:fontRef idx="minor">
+              <a:schemeClr val="lt1"/>
+            </a:fontRef>
+          </p:style>
+          <p:txBody>
+            <a:bodyPr rtlCol="0" anchor="ctr"/>
+            <a:lstStyle/>
+            <a:p>
+              <a:pPr algn="ctr"/>
+              <a:endParaRPr lang="en-US"/>
+            </a:p>
+          </p:txBody>
+        </p:sp>
+        <p:sp>
+          <p:nvSpPr>
+            <p:cNvPr id="44" name="Rectangle 43"/>
+            <p:cNvSpPr/>
+            <p:nvPr/>
+          </p:nvSpPr>
+          <p:spPr>
+            <a:xfrm>
+              <a:off x="2451371" y="2806131"/>
+              <a:ext cx="228600" cy="228600"/>
+            </a:xfrm>
+            <a:prstGeom prst="rect">
+              <a:avLst/>
+            </a:prstGeom>
+            <a:solidFill>
+              <a:srgbClr val="FF0000"/>
+            </a:solidFill>
+          </p:spPr>
+          <p:style>
+            <a:lnRef idx="2">
+              <a:schemeClr val="accent1">
+                <a:shade val="50000"/>
+              </a:schemeClr>
+            </a:lnRef>
+            <a:fillRef idx="1">
+              <a:schemeClr val="accent1"/>
+            </a:fillRef>
+            <a:effectRef idx="0">
+              <a:schemeClr val="accent1"/>
+            </a:effectRef>
+            <a:fontRef idx="minor">
+              <a:schemeClr val="lt1"/>
+            </a:fontRef>
+          </p:style>
+          <p:txBody>
+            <a:bodyPr rtlCol="0" anchor="ctr"/>
+            <a:lstStyle/>
+            <a:p>
+              <a:pPr algn="ctr"/>
+              <a:endParaRPr lang="en-US"/>
+            </a:p>
+          </p:txBody>
+        </p:sp>
+        <p:sp>
+          <p:nvSpPr>
+            <p:cNvPr id="57" name="Rectangle 56"/>
+            <p:cNvSpPr/>
+            <p:nvPr/>
+          </p:nvSpPr>
+          <p:spPr>
+            <a:xfrm>
+              <a:off x="2451371" y="3107836"/>
+              <a:ext cx="228600" cy="228600"/>
+            </a:xfrm>
+            <a:prstGeom prst="rect">
+              <a:avLst/>
+            </a:prstGeom>
+            <a:solidFill>
+              <a:srgbClr val="FF0000"/>
+            </a:solidFill>
+          </p:spPr>
+          <p:style>
+            <a:lnRef idx="2">
+              <a:schemeClr val="accent1">
+                <a:shade val="50000"/>
+              </a:schemeClr>
+            </a:lnRef>
+            <a:fillRef idx="1">
+              <a:schemeClr val="accent1"/>
+            </a:fillRef>
+            <a:effectRef idx="0">
+              <a:schemeClr val="accent1"/>
+            </a:effectRef>
+            <a:fontRef idx="minor">
+              <a:schemeClr val="lt1"/>
+            </a:fontRef>
+          </p:style>
+          <p:txBody>
+            <a:bodyPr rtlCol="0" anchor="ctr"/>
+            <a:lstStyle/>
+            <a:p>
+              <a:pPr algn="ctr"/>
+              <a:endParaRPr lang="en-US"/>
+            </a:p>
+          </p:txBody>
+        </p:sp>
+        <p:sp>
+          <p:nvSpPr>
+            <p:cNvPr id="70" name="Rectangle 69"/>
+            <p:cNvSpPr/>
+            <p:nvPr/>
+          </p:nvSpPr>
+          <p:spPr>
+            <a:xfrm>
+              <a:off x="2451371" y="3409541"/>
+              <a:ext cx="228600" cy="228600"/>
+            </a:xfrm>
+            <a:prstGeom prst="rect">
+              <a:avLst/>
+            </a:prstGeom>
+            <a:solidFill>
+              <a:srgbClr val="FF0000"/>
+            </a:solidFill>
+          </p:spPr>
+          <p:style>
+            <a:lnRef idx="2">
+              <a:schemeClr val="accent1">
+                <a:shade val="50000"/>
+              </a:schemeClr>
+            </a:lnRef>
+            <a:fillRef idx="1">
+              <a:schemeClr val="accent1"/>
+            </a:fillRef>
+            <a:effectRef idx="0">
+              <a:schemeClr val="accent1"/>
+            </a:effectRef>
+            <a:fontRef idx="minor">
+              <a:schemeClr val="lt1"/>
+            </a:fontRef>
+          </p:style>
+          <p:txBody>
+            <a:bodyPr rtlCol="0" anchor="ctr"/>
+            <a:lstStyle/>
+            <a:p>
+              <a:pPr algn="ctr"/>
+              <a:endParaRPr lang="en-US"/>
+            </a:p>
+          </p:txBody>
+        </p:sp>
+        <p:sp>
+          <p:nvSpPr>
+            <p:cNvPr id="83" name="Rectangle 82"/>
+            <p:cNvSpPr/>
+            <p:nvPr/>
+          </p:nvSpPr>
+          <p:spPr>
+            <a:xfrm>
+              <a:off x="2451371" y="3711246"/>
+              <a:ext cx="228600" cy="228600"/>
+            </a:xfrm>
+            <a:prstGeom prst="rect">
+              <a:avLst/>
+            </a:prstGeom>
+            <a:solidFill>
+              <a:srgbClr val="FF0000"/>
+            </a:solidFill>
+          </p:spPr>
+          <p:style>
+            <a:lnRef idx="2">
+              <a:schemeClr val="accent1">
+                <a:shade val="50000"/>
+              </a:schemeClr>
+            </a:lnRef>
+            <a:fillRef idx="1">
+              <a:schemeClr val="accent1"/>
+            </a:fillRef>
+            <a:effectRef idx="0">
+              <a:schemeClr val="accent1"/>
+            </a:effectRef>
+            <a:fontRef idx="minor">
+              <a:schemeClr val="lt1"/>
+            </a:fontRef>
+          </p:style>
+          <p:txBody>
+            <a:bodyPr rtlCol="0" anchor="ctr"/>
+            <a:lstStyle/>
+            <a:p>
+              <a:pPr algn="ctr"/>
+              <a:endParaRPr lang="en-US"/>
+            </a:p>
+          </p:txBody>
+        </p:sp>
+        <p:sp>
+          <p:nvSpPr>
+            <p:cNvPr id="96" name="Rectangle 95"/>
+            <p:cNvSpPr/>
+            <p:nvPr/>
+          </p:nvSpPr>
+          <p:spPr>
+            <a:xfrm>
+              <a:off x="2451371" y="4012951"/>
+              <a:ext cx="228600" cy="228600"/>
+            </a:xfrm>
+            <a:prstGeom prst="rect">
+              <a:avLst/>
+            </a:prstGeom>
+            <a:solidFill>
+              <a:srgbClr val="FF0000"/>
+            </a:solidFill>
+          </p:spPr>
+          <p:style>
+            <a:lnRef idx="2">
+              <a:schemeClr val="accent1">
+                <a:shade val="50000"/>
+              </a:schemeClr>
+            </a:lnRef>
+            <a:fillRef idx="1">
+              <a:schemeClr val="accent1"/>
+            </a:fillRef>
+            <a:effectRef idx="0">
+              <a:schemeClr val="accent1"/>
+            </a:effectRef>
+            <a:fontRef idx="minor">
+              <a:schemeClr val="lt1"/>
+            </a:fontRef>
+          </p:style>
+          <p:txBody>
+            <a:bodyPr rtlCol="0" anchor="ctr"/>
+            <a:lstStyle/>
+            <a:p>
+              <a:pPr algn="ctr"/>
+              <a:endParaRPr lang="en-US"/>
+            </a:p>
+          </p:txBody>
+        </p:sp>
+        <p:sp>
+          <p:nvSpPr>
+            <p:cNvPr id="109" name="Rectangle 108"/>
+            <p:cNvSpPr/>
+            <p:nvPr/>
+          </p:nvSpPr>
+          <p:spPr>
+            <a:xfrm>
+              <a:off x="2451371" y="4314656"/>
+              <a:ext cx="228600" cy="228600"/>
+            </a:xfrm>
+            <a:prstGeom prst="rect">
+              <a:avLst/>
+            </a:prstGeom>
+            <a:solidFill>
+              <a:srgbClr val="FF0000"/>
+            </a:solidFill>
+          </p:spPr>
+          <p:style>
+            <a:lnRef idx="2">
+              <a:schemeClr val="accent1">
+                <a:shade val="50000"/>
+              </a:schemeClr>
+            </a:lnRef>
+            <a:fillRef idx="1">
+              <a:schemeClr val="accent1"/>
+            </a:fillRef>
+            <a:effectRef idx="0">
+              <a:schemeClr val="accent1"/>
+            </a:effectRef>
+            <a:fontRef idx="minor">
+              <a:schemeClr val="lt1"/>
+            </a:fontRef>
+          </p:style>
+          <p:txBody>
+            <a:bodyPr rtlCol="0" anchor="ctr"/>
+            <a:lstStyle/>
+            <a:p>
+              <a:pPr algn="ctr"/>
+              <a:endParaRPr lang="en-US"/>
+            </a:p>
+          </p:txBody>
+        </p:sp>
+        <p:sp>
+          <p:nvSpPr>
+            <p:cNvPr id="122" name="Rectangle 121"/>
+            <p:cNvSpPr/>
+            <p:nvPr/>
+          </p:nvSpPr>
+          <p:spPr>
+            <a:xfrm>
+              <a:off x="2451371" y="4616362"/>
+              <a:ext cx="228600" cy="228600"/>
+            </a:xfrm>
+            <a:prstGeom prst="rect">
+              <a:avLst/>
+            </a:prstGeom>
+            <a:solidFill>
+              <a:srgbClr val="FF0000"/>
+            </a:solidFill>
+          </p:spPr>
+          <p:style>
+            <a:lnRef idx="2">
+              <a:schemeClr val="accent1">
+                <a:shade val="50000"/>
+              </a:schemeClr>
+            </a:lnRef>
+            <a:fillRef idx="1">
+              <a:schemeClr val="accent1"/>
+            </a:fillRef>
+            <a:effectRef idx="0">
+              <a:schemeClr val="accent1"/>
+            </a:effectRef>
+            <a:fontRef idx="minor">
+              <a:schemeClr val="lt1"/>
+            </a:fontRef>
+          </p:style>
+          <p:txBody>
+            <a:bodyPr rtlCol="0" anchor="ctr"/>
+            <a:lstStyle/>
+            <a:p>
+              <a:pPr algn="ctr"/>
+              <a:endParaRPr lang="en-US"/>
+            </a:p>
+          </p:txBody>
+        </p:sp>
+        <p:cxnSp>
+          <p:nvCxnSpPr>
+            <p:cNvPr id="134" name="Straight Connector 133"/>
+            <p:cNvCxnSpPr/>
+            <p:nvPr/>
+          </p:nvCxnSpPr>
+          <p:spPr>
+            <a:xfrm>
+              <a:off x="2057985" y="2305225"/>
+              <a:ext cx="685800" cy="0"/>
+            </a:xfrm>
+            <a:prstGeom prst="line">
+              <a:avLst/>
+            </a:prstGeom>
+            <a:ln w="12700">
+              <a:solidFill>
+                <a:schemeClr val="tx1"/>
+              </a:solidFill>
+            </a:ln>
+          </p:spPr>
+          <p:style>
+            <a:lnRef idx="1">
+              <a:schemeClr val="accent1"/>
+            </a:lnRef>
+            <a:fillRef idx="0">
+              <a:schemeClr val="accent1"/>
+            </a:fillRef>
+            <a:effectRef idx="0">
+              <a:schemeClr val="accent1"/>
+            </a:effectRef>
+            <a:fontRef idx="minor">
+              <a:schemeClr val="tx1"/>
+            </a:fontRef>
+          </p:style>
+        </p:cxnSp>
+        <p:cxnSp>
+          <p:nvCxnSpPr>
+            <p:cNvPr id="136" name="Straight Connector 135"/>
+            <p:cNvCxnSpPr/>
+            <p:nvPr/>
+          </p:nvCxnSpPr>
+          <p:spPr>
+            <a:xfrm>
+              <a:off x="2057985" y="2909381"/>
+              <a:ext cx="685800" cy="0"/>
+            </a:xfrm>
+            <a:prstGeom prst="line">
+              <a:avLst/>
+            </a:prstGeom>
+            <a:ln w="12700">
+              <a:solidFill>
+                <a:schemeClr val="tx1"/>
+              </a:solidFill>
+            </a:ln>
+          </p:spPr>
+          <p:style>
+            <a:lnRef idx="1">
+              <a:schemeClr val="accent1"/>
+            </a:lnRef>
+            <a:fillRef idx="0">
+              <a:schemeClr val="accent1"/>
+            </a:fillRef>
+            <a:effectRef idx="0">
+              <a:schemeClr val="accent1"/>
+            </a:effectRef>
+            <a:fontRef idx="minor">
+              <a:schemeClr val="tx1"/>
+            </a:fontRef>
+          </p:style>
+        </p:cxnSp>
+        <p:cxnSp>
+          <p:nvCxnSpPr>
+            <p:cNvPr id="137" name="Straight Connector 136"/>
+            <p:cNvCxnSpPr/>
+            <p:nvPr/>
+          </p:nvCxnSpPr>
+          <p:spPr>
+            <a:xfrm>
+              <a:off x="2057985" y="3815615"/>
+              <a:ext cx="685800" cy="0"/>
+            </a:xfrm>
+            <a:prstGeom prst="line">
+              <a:avLst/>
+            </a:prstGeom>
+            <a:ln w="12700">
+              <a:solidFill>
+                <a:schemeClr val="tx1"/>
+              </a:solidFill>
+            </a:ln>
+          </p:spPr>
+          <p:style>
+            <a:lnRef idx="1">
+              <a:schemeClr val="accent1"/>
+            </a:lnRef>
+            <a:fillRef idx="0">
+              <a:schemeClr val="accent1"/>
+            </a:fillRef>
+            <a:effectRef idx="0">
+              <a:schemeClr val="accent1"/>
+            </a:effectRef>
+            <a:fontRef idx="minor">
+              <a:schemeClr val="tx1"/>
+            </a:fontRef>
+          </p:style>
+        </p:cxnSp>
+        <p:cxnSp>
+          <p:nvCxnSpPr>
+            <p:cNvPr id="138" name="Straight Connector 137"/>
+            <p:cNvCxnSpPr/>
+            <p:nvPr/>
+          </p:nvCxnSpPr>
+          <p:spPr>
+            <a:xfrm>
+              <a:off x="2057985" y="2607303"/>
+              <a:ext cx="685800" cy="0"/>
+            </a:xfrm>
+            <a:prstGeom prst="line">
+              <a:avLst/>
+            </a:prstGeom>
+            <a:ln w="12700">
+              <a:solidFill>
+                <a:schemeClr val="tx1"/>
+              </a:solidFill>
+            </a:ln>
+          </p:spPr>
+          <p:style>
+            <a:lnRef idx="1">
+              <a:schemeClr val="accent1"/>
+            </a:lnRef>
+            <a:fillRef idx="0">
+              <a:schemeClr val="accent1"/>
+            </a:fillRef>
+            <a:effectRef idx="0">
+              <a:schemeClr val="accent1"/>
+            </a:effectRef>
+            <a:fontRef idx="minor">
+              <a:schemeClr val="tx1"/>
+            </a:fontRef>
+          </p:style>
+        </p:cxnSp>
+        <p:cxnSp>
+          <p:nvCxnSpPr>
+            <p:cNvPr id="139" name="Straight Connector 138"/>
+            <p:cNvCxnSpPr/>
+            <p:nvPr/>
+          </p:nvCxnSpPr>
+          <p:spPr>
+            <a:xfrm>
+              <a:off x="2057985" y="3513537"/>
+              <a:ext cx="685800" cy="0"/>
+            </a:xfrm>
+            <a:prstGeom prst="line">
+              <a:avLst/>
+            </a:prstGeom>
+            <a:ln w="12700">
+              <a:solidFill>
+                <a:schemeClr val="tx1"/>
+              </a:solidFill>
+            </a:ln>
+          </p:spPr>
+          <p:style>
+            <a:lnRef idx="1">
+              <a:schemeClr val="accent1"/>
+            </a:lnRef>
+            <a:fillRef idx="0">
+              <a:schemeClr val="accent1"/>
+            </a:fillRef>
+            <a:effectRef idx="0">
+              <a:schemeClr val="accent1"/>
+            </a:effectRef>
+            <a:fontRef idx="minor">
+              <a:schemeClr val="tx1"/>
+            </a:fontRef>
+          </p:style>
+        </p:cxnSp>
+        <p:cxnSp>
+          <p:nvCxnSpPr>
+            <p:cNvPr id="140" name="Straight Connector 139"/>
+            <p:cNvCxnSpPr/>
+            <p:nvPr/>
+          </p:nvCxnSpPr>
+          <p:spPr>
+            <a:xfrm>
+              <a:off x="2057985" y="4419771"/>
+              <a:ext cx="685800" cy="0"/>
+            </a:xfrm>
+            <a:prstGeom prst="line">
+              <a:avLst/>
+            </a:prstGeom>
+            <a:ln w="12700">
+              <a:solidFill>
+                <a:schemeClr val="tx1"/>
+              </a:solidFill>
+            </a:ln>
+          </p:spPr>
+          <p:style>
+            <a:lnRef idx="1">
+              <a:schemeClr val="accent1"/>
+            </a:lnRef>
+            <a:fillRef idx="0">
+              <a:schemeClr val="accent1"/>
+            </a:fillRef>
+            <a:effectRef idx="0">
+              <a:schemeClr val="accent1"/>
+            </a:effectRef>
+            <a:fontRef idx="minor">
+              <a:schemeClr val="tx1"/>
+            </a:fontRef>
+          </p:style>
+        </p:cxnSp>
+        <p:cxnSp>
+          <p:nvCxnSpPr>
+            <p:cNvPr id="141" name="Straight Connector 140"/>
+            <p:cNvCxnSpPr/>
+            <p:nvPr/>
+          </p:nvCxnSpPr>
+          <p:spPr>
+            <a:xfrm>
+              <a:off x="2057985" y="3211459"/>
+              <a:ext cx="685800" cy="0"/>
+            </a:xfrm>
+            <a:prstGeom prst="line">
+              <a:avLst/>
+            </a:prstGeom>
+            <a:ln w="12700">
+              <a:solidFill>
+                <a:schemeClr val="tx1"/>
+              </a:solidFill>
+            </a:ln>
+          </p:spPr>
+          <p:style>
+            <a:lnRef idx="1">
+              <a:schemeClr val="accent1"/>
+            </a:lnRef>
+            <a:fillRef idx="0">
+              <a:schemeClr val="accent1"/>
+            </a:fillRef>
+            <a:effectRef idx="0">
+              <a:schemeClr val="accent1"/>
+            </a:effectRef>
+            <a:fontRef idx="minor">
+              <a:schemeClr val="tx1"/>
+            </a:fontRef>
+          </p:style>
+        </p:cxnSp>
+        <p:cxnSp>
+          <p:nvCxnSpPr>
+            <p:cNvPr id="142" name="Straight Connector 141"/>
+            <p:cNvCxnSpPr/>
+            <p:nvPr/>
+          </p:nvCxnSpPr>
+          <p:spPr>
+            <a:xfrm>
+              <a:off x="2057985" y="4117693"/>
+              <a:ext cx="685800" cy="0"/>
+            </a:xfrm>
+            <a:prstGeom prst="line">
+              <a:avLst/>
+            </a:prstGeom>
+            <a:ln w="12700">
+              <a:solidFill>
+                <a:schemeClr val="tx1"/>
+              </a:solidFill>
+            </a:ln>
+          </p:spPr>
+          <p:style>
+            <a:lnRef idx="1">
+              <a:schemeClr val="accent1"/>
+            </a:lnRef>
+            <a:fillRef idx="0">
+              <a:schemeClr val="accent1"/>
+            </a:fillRef>
+            <a:effectRef idx="0">
+              <a:schemeClr val="accent1"/>
+            </a:effectRef>
+            <a:fontRef idx="minor">
+              <a:schemeClr val="tx1"/>
+            </a:fontRef>
+          </p:style>
+        </p:cxnSp>
+        <p:cxnSp>
+          <p:nvCxnSpPr>
+            <p:cNvPr id="143" name="Straight Connector 142"/>
+            <p:cNvCxnSpPr/>
+            <p:nvPr/>
+          </p:nvCxnSpPr>
+          <p:spPr>
+            <a:xfrm>
+              <a:off x="2057985" y="4721848"/>
+              <a:ext cx="685800" cy="0"/>
+            </a:xfrm>
+            <a:prstGeom prst="line">
+              <a:avLst/>
+            </a:prstGeom>
+            <a:ln w="12700">
+              <a:solidFill>
+                <a:schemeClr val="tx1"/>
+              </a:solidFill>
+            </a:ln>
+          </p:spPr>
+          <p:style>
+            <a:lnRef idx="1">
+              <a:schemeClr val="accent1"/>
+            </a:lnRef>
+            <a:fillRef idx="0">
+              <a:schemeClr val="accent1"/>
+            </a:fillRef>
+            <a:effectRef idx="0">
+              <a:schemeClr val="accent1"/>
+            </a:effectRef>
+            <a:fontRef idx="minor">
+              <a:schemeClr val="tx1"/>
+            </a:fontRef>
+          </p:style>
+        </p:cxnSp>
+        <p:cxnSp>
+          <p:nvCxnSpPr>
+            <p:cNvPr id="154" name="Straight Connector 153"/>
+            <p:cNvCxnSpPr/>
+            <p:nvPr/>
+          </p:nvCxnSpPr>
+          <p:spPr>
+            <a:xfrm rot="5400000">
+              <a:off x="987610" y="3426548"/>
+              <a:ext cx="3200400" cy="0"/>
+            </a:xfrm>
+            <a:prstGeom prst="line">
+              <a:avLst/>
+            </a:prstGeom>
+            <a:ln w="12700">
+              <a:solidFill>
+                <a:schemeClr val="tx1"/>
+              </a:solidFill>
+            </a:ln>
+          </p:spPr>
+          <p:style>
+            <a:lnRef idx="1">
+              <a:schemeClr val="accent1"/>
+            </a:lnRef>
+            <a:fillRef idx="0">
+              <a:schemeClr val="accent1"/>
+            </a:fillRef>
+            <a:effectRef idx="0">
+              <a:schemeClr val="accent1"/>
+            </a:effectRef>
+            <a:fontRef idx="minor">
+              <a:schemeClr val="tx1"/>
+            </a:fontRef>
+          </p:style>
+        </p:cxnSp>
+        <p:sp>
+          <p:nvSpPr>
+            <p:cNvPr id="172" name="TextBox 171"/>
+            <p:cNvSpPr txBox="1"/>
+            <p:nvPr/>
+          </p:nvSpPr>
+          <p:spPr>
+            <a:xfrm>
+              <a:off x="1915066" y="910589"/>
+              <a:ext cx="1371600" cy="914400"/>
+            </a:xfrm>
+            <a:prstGeom prst="rect">
+              <a:avLst/>
+            </a:prstGeom>
+            <a:solidFill>
+              <a:schemeClr val="bg1"/>
+            </a:solidFill>
+            <a:ln>
+              <a:solidFill>
+                <a:schemeClr val="accent1"/>
+              </a:solidFill>
+            </a:ln>
+          </p:spPr>
+          <p:txBody>
+            <a:bodyPr wrap="none" rtlCol="0" anchor="ctr" anchorCtr="1">
+              <a:noAutofit/>
+            </a:bodyPr>
+            <a:lstStyle/>
+            <a:p>
+              <a:pPr algn="ctr"/>
+              <a:r>
+                <a:rPr lang="en-US" sz="1200" dirty="0" smtClean="0"/>
+                <a:t>8-Bit</a:t>
+              </a:r>
+            </a:p>
+            <a:p>
+              <a:pPr algn="ctr"/>
+              <a:r>
+                <a:rPr lang="en-US" sz="1200" dirty="0" smtClean="0"/>
+                <a:t>Digital to </a:t>
+              </a:r>
+              <a:r>
+                <a:rPr lang="en-US" sz="1200" dirty="0" smtClean="0"/>
+                <a:t>Analog</a:t>
+              </a:r>
+            </a:p>
+            <a:p>
+              <a:pPr algn="ctr"/>
+              <a:r>
+                <a:rPr lang="en-US" sz="1200" dirty="0" smtClean="0"/>
+                <a:t>Voltage</a:t>
+              </a:r>
+            </a:p>
+            <a:p>
+              <a:pPr algn="ctr"/>
+              <a:r>
+                <a:rPr lang="en-US" sz="1200" dirty="0" smtClean="0"/>
+                <a:t>DAC</a:t>
+              </a:r>
+              <a:endParaRPr lang="en-US" sz="1200" dirty="0"/>
+            </a:p>
+          </p:txBody>
+        </p:sp>
+        <p:cxnSp>
+          <p:nvCxnSpPr>
+            <p:cNvPr id="175" name="Straight Connector 174"/>
+            <p:cNvCxnSpPr/>
+            <p:nvPr/>
+          </p:nvCxnSpPr>
+          <p:spPr>
+            <a:xfrm>
+              <a:off x="1229266" y="1293759"/>
+              <a:ext cx="685800" cy="0"/>
+            </a:xfrm>
+            <a:prstGeom prst="line">
+              <a:avLst/>
+            </a:prstGeom>
+            <a:ln w="12700">
+              <a:solidFill>
+                <a:schemeClr val="tx1"/>
+              </a:solidFill>
+            </a:ln>
+          </p:spPr>
+          <p:style>
+            <a:lnRef idx="1">
+              <a:schemeClr val="accent1"/>
+            </a:lnRef>
+            <a:fillRef idx="0">
+              <a:schemeClr val="accent1"/>
+            </a:fillRef>
+            <a:effectRef idx="0">
+              <a:schemeClr val="accent1"/>
+            </a:effectRef>
+            <a:fontRef idx="minor">
+              <a:schemeClr val="tx1"/>
+            </a:fontRef>
+          </p:style>
+        </p:cxnSp>
+        <p:sp>
+          <p:nvSpPr>
+            <p:cNvPr id="12" name="Rectangle 11"/>
+            <p:cNvSpPr/>
+            <p:nvPr/>
+          </p:nvSpPr>
+          <p:spPr>
+            <a:xfrm>
+              <a:off x="1166143" y="1004783"/>
+              <a:ext cx="748923" cy="276999"/>
+            </a:xfrm>
+            <a:prstGeom prst="rect">
+              <a:avLst/>
+            </a:prstGeom>
+          </p:spPr>
+          <p:txBody>
+            <a:bodyPr wrap="none">
+              <a:spAutoFit/>
+            </a:bodyPr>
+            <a:lstStyle/>
+            <a:p>
+              <a:pPr algn="ctr"/>
+              <a:r>
+                <a:rPr lang="en-US" sz="1200" dirty="0"/>
+                <a:t>8-</a:t>
+              </a:r>
+              <a:r>
+                <a:rPr lang="en-US" sz="1200" dirty="0" smtClean="0"/>
+                <a:t>Bit Bus</a:t>
+              </a:r>
+              <a:endParaRPr lang="en-US" sz="1200" dirty="0"/>
+            </a:p>
+          </p:txBody>
+        </p:sp>
+      </p:grpSp>
+    </p:spTree>
+    <p:extLst>
+      <p:ext uri="{BB962C8B-B14F-4D97-AF65-F5344CB8AC3E}">
+        <p14:creationId xmlns:p14="http://schemas.microsoft.com/office/powerpoint/2010/main" val="192837048"/>
+      </p:ext>
+    </p:extLst>
+  </p:cSld>
+  <p:clrMapOvr>
+    <a:masterClrMapping/>
+  </p:clrMapOvr>
 </p:sld>
 </file>
 
@@ -9302,7 +10309,7 @@
     </a:clrScheme>
     <a:fontScheme name="Office">
       <a:majorFont>
-        <a:latin typeface="Calibri Light" panose="020F0302020204030204"/>
+        <a:latin typeface="Calibri Light"/>
         <a:ea typeface=""/>
         <a:cs typeface=""/>
         <a:font script="Jpan" typeface="Yu Gothic Light"/>
@@ -9337,7 +10344,7 @@
         <a:font script="Geor" typeface="Sylfaen"/>
       </a:majorFont>
       <a:minorFont>
-        <a:latin typeface="Calibri" panose="020F0502020204030204"/>
+        <a:latin typeface="Calibri"/>
         <a:ea typeface=""/>
         <a:cs typeface=""/>
         <a:font script="Jpan" typeface="Yu Gothic"/>
@@ -9514,7 +10521,7 @@
   <a:extraClrSchemeLst/>
   <a:extLst>
     <a:ext uri="{05A4C25C-085E-4340-85A3-A5531E510DB2}">
-      <thm15:themeFamily xmlns:thm15="http://schemas.microsoft.com/office/thememl/2012/main" name="Office Theme" id="{62F939B6-93AF-4DB8-9C6B-D6C7DFDC589F}" vid="{4A3C46E8-61CC-4603-A589-7422A47A8E4A}"/>
+      <thm15:themeFamily xmlns:thm15="http://schemas.microsoft.com/office/thememl/2012/main" xmlns="" name="Office Theme" id="{62F939B6-93AF-4DB8-9C6B-D6C7DFDC589F}" vid="{4A3C46E8-61CC-4603-A589-7422A47A8E4A}"/>
     </a:ext>
   </a:extLst>
 </a:theme>
